--- a/TransactionFlow.pptx
+++ b/TransactionFlow.pptx
@@ -3673,7 +3673,31 @@
                     <a:schemeClr val="tx1"/>
                   </a:solidFill>
                 </a:rPr>
-                <a:t>Validate data (New or Is existing)</a:t>
+                <a:t>Validate data (New or </a:t>
+              </a:r>
+              <a:r>
+                <a:rPr lang="en-US" sz="900" dirty="0">
+                  <a:solidFill>
+                    <a:schemeClr val="tx1"/>
+                  </a:solidFill>
+                </a:rPr>
+                <a:t>E</a:t>
+              </a:r>
+              <a:r>
+                <a:rPr lang="en-US" sz="900" dirty="0" smtClean="0">
+                  <a:solidFill>
+                    <a:schemeClr val="tx1"/>
+                  </a:solidFill>
+                </a:rPr>
+                <a:t>xisting</a:t>
+              </a:r>
+              <a:r>
+                <a:rPr lang="en-US" sz="900" dirty="0" smtClean="0">
+                  <a:solidFill>
+                    <a:schemeClr val="tx1"/>
+                  </a:solidFill>
+                </a:rPr>
+                <a:t>)</a:t>
               </a:r>
               <a:endParaRPr lang="en-US" sz="900" dirty="0">
                 <a:solidFill>
